--- a/presentation/XRL_project_ppt.pptx
+++ b/presentation/XRL_project_ppt.pptx
@@ -225,7 +225,7 @@
           <a:p>
             <a:fld id="{109E7E02-177F-1742-9B54-4359DFA80663}" type="datetimeFigureOut">
               <a:rPr lang="en-US" smtClean="0"/>
-              <a:t>3/31/24</a:t>
+              <a:t>4/1/24</a:t>
             </a:fld>
             <a:endParaRPr lang="en-US"/>
           </a:p>
@@ -390,7 +390,7 @@
           <a:p>
             <a:fld id="{30A97568-298B-6740-9B9F-550E69FACD20}" type="datetimeFigureOut">
               <a:rPr lang="en-US" smtClean="0"/>
-              <a:t>3/31/24</a:t>
+              <a:t>4/1/24</a:t>
             </a:fld>
             <a:endParaRPr lang="en-US"/>
           </a:p>
@@ -1424,7 +1424,7 @@
           <a:p>
             <a:fld id="{76A34A24-CCD4-E849-8882-22BD847D2D41}" type="datetimeFigureOut">
               <a:rPr lang="en-US" smtClean="0"/>
-              <a:t>3/31/24</a:t>
+              <a:t>4/1/24</a:t>
             </a:fld>
             <a:endParaRPr lang="en-US"/>
           </a:p>
@@ -1592,7 +1592,7 @@
           <a:p>
             <a:fld id="{76A34A24-CCD4-E849-8882-22BD847D2D41}" type="datetimeFigureOut">
               <a:rPr lang="en-US" smtClean="0"/>
-              <a:t>3/31/24</a:t>
+              <a:t>4/1/24</a:t>
             </a:fld>
             <a:endParaRPr lang="en-US"/>
           </a:p>
@@ -1770,7 +1770,7 @@
           <a:p>
             <a:fld id="{76A34A24-CCD4-E849-8882-22BD847D2D41}" type="datetimeFigureOut">
               <a:rPr lang="en-US" smtClean="0"/>
-              <a:t>3/31/24</a:t>
+              <a:t>4/1/24</a:t>
             </a:fld>
             <a:endParaRPr lang="en-US"/>
           </a:p>
@@ -1938,7 +1938,7 @@
           <a:p>
             <a:fld id="{76A34A24-CCD4-E849-8882-22BD847D2D41}" type="datetimeFigureOut">
               <a:rPr lang="en-US" smtClean="0"/>
-              <a:t>3/31/24</a:t>
+              <a:t>4/1/24</a:t>
             </a:fld>
             <a:endParaRPr lang="en-US"/>
           </a:p>
@@ -2183,7 +2183,7 @@
           <a:p>
             <a:fld id="{76A34A24-CCD4-E849-8882-22BD847D2D41}" type="datetimeFigureOut">
               <a:rPr lang="en-US" smtClean="0"/>
-              <a:t>3/31/24</a:t>
+              <a:t>4/1/24</a:t>
             </a:fld>
             <a:endParaRPr lang="en-US"/>
           </a:p>
@@ -2468,7 +2468,7 @@
           <a:p>
             <a:fld id="{76A34A24-CCD4-E849-8882-22BD847D2D41}" type="datetimeFigureOut">
               <a:rPr lang="en-US" smtClean="0"/>
-              <a:t>3/31/24</a:t>
+              <a:t>4/1/24</a:t>
             </a:fld>
             <a:endParaRPr lang="en-US"/>
           </a:p>
@@ -2887,7 +2887,7 @@
           <a:p>
             <a:fld id="{76A34A24-CCD4-E849-8882-22BD847D2D41}" type="datetimeFigureOut">
               <a:rPr lang="en-US" smtClean="0"/>
-              <a:t>3/31/24</a:t>
+              <a:t>4/1/24</a:t>
             </a:fld>
             <a:endParaRPr lang="en-US"/>
           </a:p>
@@ -3004,7 +3004,7 @@
           <a:p>
             <a:fld id="{76A34A24-CCD4-E849-8882-22BD847D2D41}" type="datetimeFigureOut">
               <a:rPr lang="en-US" smtClean="0"/>
-              <a:t>3/31/24</a:t>
+              <a:t>4/1/24</a:t>
             </a:fld>
             <a:endParaRPr lang="en-US"/>
           </a:p>
@@ -3099,7 +3099,7 @@
           <a:p>
             <a:fld id="{76A34A24-CCD4-E849-8882-22BD847D2D41}" type="datetimeFigureOut">
               <a:rPr lang="en-US" smtClean="0"/>
-              <a:t>3/31/24</a:t>
+              <a:t>4/1/24</a:t>
             </a:fld>
             <a:endParaRPr lang="en-US"/>
           </a:p>
@@ -3374,7 +3374,7 @@
           <a:p>
             <a:fld id="{76A34A24-CCD4-E849-8882-22BD847D2D41}" type="datetimeFigureOut">
               <a:rPr lang="en-US" smtClean="0"/>
-              <a:t>3/31/24</a:t>
+              <a:t>4/1/24</a:t>
             </a:fld>
             <a:endParaRPr lang="en-US"/>
           </a:p>
@@ -3626,7 +3626,7 @@
           <a:p>
             <a:fld id="{76A34A24-CCD4-E849-8882-22BD847D2D41}" type="datetimeFigureOut">
               <a:rPr lang="en-US" smtClean="0"/>
-              <a:t>3/31/24</a:t>
+              <a:t>4/1/24</a:t>
             </a:fld>
             <a:endParaRPr lang="en-US"/>
           </a:p>
@@ -3844,7 +3844,7 @@
           <a:p>
             <a:fld id="{76A34A24-CCD4-E849-8882-22BD847D2D41}" type="datetimeFigureOut">
               <a:rPr lang="en-US" smtClean="0"/>
-              <a:t>3/31/24</a:t>
+              <a:t>4/1/24</a:t>
             </a:fld>
             <a:endParaRPr lang="en-US"/>
           </a:p>
@@ -4674,8 +4674,8 @@
         </p:blipFill>
         <p:spPr>
           <a:xfrm>
-            <a:off x="457200" y="2292350"/>
-            <a:ext cx="3810000" cy="2540000"/>
+            <a:off x="156411" y="2292350"/>
+            <a:ext cx="2610853" cy="2540000"/>
           </a:xfrm>
         </p:spPr>
       </p:pic>
@@ -4695,7 +4695,12 @@
             <p:ph type="body" sz="quarter" idx="3"/>
           </p:nvPr>
         </p:nvSpPr>
-        <p:spPr/>
+        <p:spPr>
+          <a:xfrm>
+            <a:off x="3200401" y="1535113"/>
+            <a:ext cx="5486400" cy="639762"/>
+          </a:xfrm>
+        </p:spPr>
         <p:txBody>
           <a:bodyPr>
             <a:noAutofit/>
@@ -4710,7 +4715,7 @@
                 <a:latin typeface="Arial"/>
                 <a:cs typeface="Arial"/>
               </a:rPr>
-              <a:t>A2C</a:t>
+              <a:t>    A2C                    DQN</a:t>
             </a:r>
           </a:p>
         </p:txBody>
@@ -4739,9 +4744,39 @@
         </p:blipFill>
         <p:spPr>
           <a:xfrm>
-            <a:off x="4645025" y="2292350"/>
-            <a:ext cx="3810000" cy="2540000"/>
+            <a:off x="3200402" y="2292350"/>
+            <a:ext cx="2750050" cy="2540000"/>
           </a:xfrm>
+        </p:spPr>
+      </p:pic>
+      <p:pic>
+        <p:nvPicPr>
+          <p:cNvPr id="3" name="Picture 2" descr="A video game screen with a purple object and yellow flags&#10;&#10;Description automatically generated">
+            <a:extLst>
+              <a:ext uri="{FF2B5EF4-FFF2-40B4-BE49-F238E27FC236}">
+                <a16:creationId xmlns:a16="http://schemas.microsoft.com/office/drawing/2014/main" id="{6E862129-5949-568D-700C-CF23AF92C18D}"/>
+              </a:ext>
+            </a:extLst>
+          </p:cNvPr>
+          <p:cNvPicPr>
+            <a:picLocks noChangeAspect="1"/>
+          </p:cNvPicPr>
+          <p:nvPr/>
+        </p:nvPicPr>
+        <p:blipFill>
+          <a:blip r:embed="rId4"/>
+          <a:stretch>
+            <a:fillRect/>
+          </a:stretch>
+        </p:blipFill>
+        <p:spPr>
+          <a:xfrm>
+            <a:off x="6232359" y="2300705"/>
+            <a:ext cx="2552364" cy="2256589"/>
+          </a:xfrm>
+          <a:prstGeom prst="rect">
+            <a:avLst/>
+          </a:prstGeom>
         </p:spPr>
       </p:pic>
     </p:spTree>
@@ -5904,8 +5939,8 @@
         </p:nvSpPr>
         <p:spPr>
           <a:xfrm>
-            <a:off x="237230" y="573851"/>
-            <a:ext cx="8005704" cy="4585871"/>
+            <a:off x="237230" y="141780"/>
+            <a:ext cx="8652770" cy="5663089"/>
           </a:xfrm>
           <a:prstGeom prst="rect">
             <a:avLst/>
@@ -5931,7 +5966,7 @@
                 <a:latin typeface="Arial"/>
                 <a:cs typeface="Arial Unicode MS"/>
               </a:rPr>
-              <a:t>LR</a:t>
+              <a:t>Related Works</a:t>
             </a:r>
           </a:p>
           <a:p>
@@ -5944,24 +5979,84 @@
               <a:buChar char="•"/>
             </a:pPr>
             <a:r>
-              <a:rPr lang="en-US" sz="2800" dirty="0" err="1">
+              <a:rPr lang="en-US" dirty="0" err="1">
                 <a:solidFill>
                   <a:srgbClr val="807F83"/>
                 </a:solidFill>
                 <a:latin typeface="Arial"/>
                 <a:cs typeface="Arial"/>
               </a:rPr>
-              <a:t>Aradi</a:t>
-            </a:r>
-            <a:r>
-              <a:rPr lang="en-US" sz="2800" dirty="0">
+              <a:t>Liessner</a:t>
+            </a:r>
+            <a:r>
+              <a:rPr lang="en-US" dirty="0">
                 <a:solidFill>
                   <a:srgbClr val="807F83"/>
                 </a:solidFill>
                 <a:latin typeface="Arial"/>
                 <a:cs typeface="Arial"/>
               </a:rPr>
-              <a:t>[10]</a:t>
+              <a:t> et al.</a:t>
+            </a:r>
+          </a:p>
+          <a:p>
+            <a:pPr marL="1143000" lvl="1" indent="-685800">
+              <a:spcAft>
+                <a:spcPts val="2400"/>
+              </a:spcAft>
+              <a:buSzPct val="75000"/>
+              <a:buFont typeface="Arial"/>
+              <a:buChar char="•"/>
+            </a:pPr>
+            <a:r>
+              <a:rPr lang="en-US" dirty="0">
+                <a:solidFill>
+                  <a:srgbClr val="807F83"/>
+                </a:solidFill>
+                <a:latin typeface="Arial"/>
+                <a:cs typeface="Arial"/>
+              </a:rPr>
+              <a:t>Explainability: SHapley Additive exPlanations (SHAP) to explain the decision-making process of the RL agent</a:t>
+            </a:r>
+          </a:p>
+          <a:p>
+            <a:pPr marL="1143000" lvl="1" indent="-685800">
+              <a:spcAft>
+                <a:spcPts val="2400"/>
+              </a:spcAft>
+              <a:buSzPct val="75000"/>
+              <a:buFont typeface="Arial"/>
+              <a:buChar char="•"/>
+            </a:pPr>
+            <a:r>
+              <a:rPr lang="en-US" dirty="0">
+                <a:solidFill>
+                  <a:srgbClr val="807F83"/>
+                </a:solidFill>
+                <a:latin typeface="Arial"/>
+                <a:cs typeface="Arial"/>
+              </a:rPr>
+              <a:t>Environment: OpenAI Gym LongiControl environment</a:t>
+            </a:r>
+          </a:p>
+          <a:p>
+            <a:pPr marL="1143000" lvl="1" indent="-685800">
+              <a:spcAft>
+                <a:spcPts val="2400"/>
+              </a:spcAft>
+              <a:buSzPct val="75000"/>
+              <a:buFont typeface="Arial"/>
+              <a:buChar char="•"/>
+            </a:pPr>
+            <a:r>
+              <a:rPr lang="en-US" dirty="0">
+                <a:solidFill>
+                  <a:srgbClr val="807F83"/>
+                </a:solidFill>
+                <a:latin typeface="Arial"/>
+                <a:cs typeface="Arial"/>
+              </a:rPr>
+              <a:t>Agent used here: DDPG</a:t>
             </a:r>
           </a:p>
           <a:p>
@@ -5974,28 +6069,18 @@
               <a:buChar char="•"/>
             </a:pPr>
             <a:r>
-              <a:rPr lang="en-US" sz="2800" dirty="0" err="1">
+              <a:rPr lang="en-US" dirty="0">
                 <a:solidFill>
                   <a:srgbClr val="807F83"/>
                 </a:solidFill>
                 <a:latin typeface="Arial"/>
                 <a:cs typeface="Arial"/>
               </a:rPr>
-              <a:t>Liessner</a:t>
-            </a:r>
-            <a:r>
-              <a:rPr lang="en-US" sz="2800" dirty="0">
-                <a:solidFill>
-                  <a:srgbClr val="807F83"/>
-                </a:solidFill>
-                <a:latin typeface="Arial"/>
-                <a:cs typeface="Arial"/>
-              </a:rPr>
-              <a:t>[11]</a:t>
-            </a:r>
-          </a:p>
-          <a:p>
-            <a:pPr marL="685800" indent="-685800">
+              <a:t>L. He et al.</a:t>
+            </a:r>
+          </a:p>
+          <a:p>
+            <a:pPr marL="1143000" lvl="1" indent="-685800">
               <a:spcAft>
                 <a:spcPts val="2400"/>
               </a:spcAft>
@@ -6004,37 +6089,55 @@
               <a:buChar char="•"/>
             </a:pPr>
             <a:r>
-              <a:rPr lang="en-US" sz="2800" dirty="0">
+              <a:rPr lang="en-US" dirty="0">
                 <a:solidFill>
                   <a:srgbClr val="807F83"/>
                 </a:solidFill>
                 <a:latin typeface="Arial"/>
                 <a:cs typeface="Arial"/>
               </a:rPr>
-              <a:t>L. He [12]</a:t>
-            </a:r>
-          </a:p>
-          <a:p>
-            <a:pPr marL="685800" indent="-685800">
+              <a:t>Environment: UAV navigation</a:t>
+            </a:r>
+          </a:p>
+          <a:p>
+            <a:pPr marL="1143000" lvl="1" indent="-685800">
+              <a:spcAft>
+                <a:spcPts val="2400"/>
+              </a:spcAft>
+              <a:buSzPct val="75000"/>
               <a:buFont typeface="Arial"/>
               <a:buChar char="•"/>
             </a:pPr>
-            <a:endParaRPr lang="en-US" sz="2800" dirty="0">
-              <a:solidFill>
-                <a:srgbClr val="807F83"/>
-              </a:solidFill>
-              <a:latin typeface="Arial"/>
-              <a:cs typeface="Arial"/>
-            </a:endParaRPr>
-          </a:p>
-          <a:p>
-            <a:endParaRPr lang="en-US" sz="6000" b="1" dirty="0">
-              <a:solidFill>
-                <a:srgbClr val="807F83"/>
-              </a:solidFill>
-              <a:latin typeface="Arial"/>
-              <a:cs typeface="Arial Unicode MS"/>
-            </a:endParaRPr>
+            <a:r>
+              <a:rPr lang="en-US" dirty="0">
+                <a:solidFill>
+                  <a:srgbClr val="807F83"/>
+                </a:solidFill>
+                <a:latin typeface="Arial"/>
+                <a:cs typeface="Arial"/>
+              </a:rPr>
+              <a:t>Agent: Twin Delayed DDPG (TD3)</a:t>
+            </a:r>
+          </a:p>
+          <a:p>
+            <a:pPr marL="1143000" lvl="1" indent="-685800">
+              <a:spcAft>
+                <a:spcPts val="2400"/>
+              </a:spcAft>
+              <a:buSzPct val="75000"/>
+              <a:buFont typeface="Arial"/>
+              <a:buChar char="•"/>
+            </a:pPr>
+            <a:r>
+              <a:rPr lang="en-US" dirty="0">
+                <a:solidFill>
+                  <a:srgbClr val="807F83"/>
+                </a:solidFill>
+                <a:latin typeface="Arial"/>
+                <a:cs typeface="Arial"/>
+              </a:rPr>
+              <a:t>Explainability: SHAP (DeepSHAP)</a:t>
+            </a:r>
           </a:p>
         </p:txBody>
       </p:sp>
